--- a/reports/DocImages.pptx
+++ b/reports/DocImages.pptx
@@ -18,6 +18,7 @@
     <p:sldId id="267" r:id="rId12"/>
     <p:sldId id="268" r:id="rId13"/>
     <p:sldId id="264" r:id="rId14"/>
+    <p:sldId id="269" r:id="rId15"/>
   </p:sldIdLst>
   <p:sldSz cx="12192000" cy="6858000"/>
   <p:notesSz cx="6858000" cy="9144000"/>
@@ -3514,21 +3515,21 @@
       </p:grpSpPr>
       <p:grpSp>
         <p:nvGrpSpPr>
-          <p:cNvPr id="8" name="그룹 7"/>
+          <p:cNvPr id="10" name="그룹 9"/>
           <p:cNvGrpSpPr/>
           <p:nvPr/>
         </p:nvGrpSpPr>
         <p:grpSpPr>
           <a:xfrm>
-            <a:off x="-15594" y="1"/>
-            <a:ext cx="12207594" cy="6849250"/>
-            <a:chOff x="-15594" y="1"/>
-            <a:chExt cx="12207594" cy="6849250"/>
+            <a:off x="0" y="1990"/>
+            <a:ext cx="12192000" cy="6854019"/>
+            <a:chOff x="0" y="1990"/>
+            <a:chExt cx="12192000" cy="6854019"/>
           </a:xfrm>
         </p:grpSpPr>
         <p:pic>
           <p:nvPicPr>
-            <p:cNvPr id="2" name="그림 1"/>
+            <p:cNvPr id="9" name="그림 8"/>
             <p:cNvPicPr>
               <a:picLocks noChangeAspect="1"/>
             </p:cNvPicPr>
@@ -3542,8 +3543,8 @@
           </p:blipFill>
           <p:spPr>
             <a:xfrm>
-              <a:off x="-15594" y="1"/>
-              <a:ext cx="12207594" cy="6849250"/>
+              <a:off x="0" y="1990"/>
+              <a:ext cx="12192000" cy="6854019"/>
             </a:xfrm>
             <a:prstGeom prst="rect">
               <a:avLst/>
@@ -3558,7 +3559,7 @@
           </p:nvSpPr>
           <p:spPr>
             <a:xfrm>
-              <a:off x="114300" y="2371725"/>
+              <a:off x="3584544" y="1283154"/>
               <a:ext cx="1369286" cy="369332"/>
             </a:xfrm>
             <a:prstGeom prst="rect">
@@ -3573,26 +3574,14 @@
             <a:lstStyle/>
             <a:p>
               <a:r>
-                <a:rPr lang="ko-KR" altLang="en-US" b="1" dirty="0" smtClean="0">
-                  <a:solidFill>
-                    <a:schemeClr val="bg1"/>
-                  </a:solidFill>
-                </a:rPr>
+                <a:rPr lang="ko-KR" altLang="en-US" b="1" dirty="0" smtClean="0"/>
                 <a:t>① </a:t>
               </a:r>
               <a:r>
-                <a:rPr lang="en-US" altLang="ko-KR" b="1" dirty="0" smtClean="0">
-                  <a:solidFill>
-                    <a:schemeClr val="bg1"/>
-                  </a:solidFill>
-                </a:rPr>
+                <a:rPr lang="en-US" altLang="ko-KR" b="1" dirty="0" smtClean="0"/>
                 <a:t>Console</a:t>
               </a:r>
-              <a:endParaRPr lang="ko-KR" altLang="en-US" b="1" dirty="0">
-                <a:solidFill>
-                  <a:schemeClr val="bg1"/>
-                </a:solidFill>
-              </a:endParaRPr>
+              <a:endParaRPr lang="ko-KR" altLang="en-US" b="1" dirty="0"/>
             </a:p>
           </p:txBody>
         </p:sp>
@@ -3604,7 +3593,7 @@
           </p:nvSpPr>
           <p:spPr>
             <a:xfrm>
-              <a:off x="6321588" y="2371725"/>
+              <a:off x="6321588" y="1995635"/>
               <a:ext cx="1128001" cy="369332"/>
             </a:xfrm>
             <a:prstGeom prst="rect">
@@ -3619,34 +3608,18 @@
             <a:lstStyle/>
             <a:p>
               <a:r>
-                <a:rPr lang="ko-KR" altLang="en-US" b="1" dirty="0">
-                  <a:solidFill>
-                    <a:schemeClr val="bg1"/>
-                  </a:solidFill>
-                </a:rPr>
+                <a:rPr lang="ko-KR" altLang="en-US" b="1" dirty="0"/>
                 <a:t>②</a:t>
               </a:r>
               <a:r>
-                <a:rPr lang="ko-KR" altLang="en-US" b="1" dirty="0" smtClean="0">
-                  <a:solidFill>
-                    <a:schemeClr val="bg1"/>
-                  </a:solidFill>
-                </a:rPr>
+                <a:rPr lang="ko-KR" altLang="en-US" b="1" dirty="0" smtClean="0"/>
                 <a:t> </a:t>
               </a:r>
               <a:r>
-                <a:rPr lang="en-US" altLang="ko-KR" b="1" dirty="0" smtClean="0">
-                  <a:solidFill>
-                    <a:schemeClr val="bg1"/>
-                  </a:solidFill>
-                </a:rPr>
+                <a:rPr lang="en-US" altLang="ko-KR" b="1" dirty="0" smtClean="0"/>
                 <a:t>Script</a:t>
               </a:r>
-              <a:endParaRPr lang="ko-KR" altLang="en-US" b="1" dirty="0">
-                <a:solidFill>
-                  <a:schemeClr val="bg1"/>
-                </a:solidFill>
-              </a:endParaRPr>
+              <a:endParaRPr lang="ko-KR" altLang="en-US" b="1" dirty="0"/>
             </a:p>
           </p:txBody>
         </p:sp>
@@ -3658,8 +3631,8 @@
           </p:nvSpPr>
           <p:spPr>
             <a:xfrm>
-              <a:off x="114300" y="6029325"/>
-              <a:ext cx="4839530" cy="369332"/>
+              <a:off x="0" y="4795154"/>
+              <a:ext cx="3384003" cy="369332"/>
             </a:xfrm>
             <a:prstGeom prst="rect">
               <a:avLst/>
@@ -3673,26 +3646,14 @@
             <a:lstStyle/>
             <a:p>
               <a:r>
-                <a:rPr lang="ko-KR" altLang="en-US" b="1" smtClean="0">
-                  <a:solidFill>
-                    <a:schemeClr val="bg1"/>
-                  </a:solidFill>
-                </a:rPr>
+                <a:rPr lang="ko-KR" altLang="en-US" b="1" dirty="0" smtClean="0"/>
                 <a:t>② </a:t>
               </a:r>
               <a:r>
-                <a:rPr lang="en-US" altLang="ko-KR" b="1" dirty="0" smtClean="0">
-                  <a:solidFill>
-                    <a:schemeClr val="bg1"/>
-                  </a:solidFill>
-                </a:rPr>
-                <a:t>Environment/History/Files/Connections</a:t>
+                <a:rPr lang="en-US" altLang="ko-KR" b="1" dirty="0" smtClean="0"/>
+                <a:t>Environment/History/Files</a:t>
               </a:r>
-              <a:endParaRPr lang="ko-KR" altLang="en-US" b="1" dirty="0">
-                <a:solidFill>
-                  <a:schemeClr val="bg1"/>
-                </a:solidFill>
-              </a:endParaRPr>
+              <a:endParaRPr lang="ko-KR" altLang="en-US" b="1" dirty="0"/>
             </a:p>
           </p:txBody>
         </p:sp>
@@ -3735,6 +3696,214 @@
     <p:extLst>
       <p:ext uri="{BB962C8B-B14F-4D97-AF65-F5344CB8AC3E}">
         <p14:creationId xmlns:p14="http://schemas.microsoft.com/office/powerpoint/2010/main" val="1145945847"/>
+      </p:ext>
+    </p:extLst>
+  </p:cSld>
+  <p:clrMapOvr>
+    <a:masterClrMapping/>
+  </p:clrMapOvr>
+</p:sld>
+</file>
+
+<file path=ppt/slides/slide14.xml><?xml version="1.0" encoding="utf-8"?>
+<p:sld xmlns:a="http://schemas.openxmlformats.org/drawingml/2006/main" xmlns:r="http://schemas.openxmlformats.org/officeDocument/2006/relationships" xmlns:p="http://schemas.openxmlformats.org/presentationml/2006/main">
+  <p:cSld>
+    <p:spTree>
+      <p:nvGrpSpPr>
+        <p:cNvPr id="1" name=""/>
+        <p:cNvGrpSpPr/>
+        <p:nvPr/>
+      </p:nvGrpSpPr>
+      <p:grpSpPr>
+        <a:xfrm>
+          <a:off x="0" y="0"/>
+          <a:ext cx="0" cy="0"/>
+          <a:chOff x="0" y="0"/>
+          <a:chExt cx="0" cy="0"/>
+        </a:xfrm>
+      </p:grpSpPr>
+      <p:grpSp>
+        <p:nvGrpSpPr>
+          <p:cNvPr id="9" name="그룹 8"/>
+          <p:cNvGrpSpPr/>
+          <p:nvPr/>
+        </p:nvGrpSpPr>
+        <p:grpSpPr>
+          <a:xfrm>
+            <a:off x="2195617" y="0"/>
+            <a:ext cx="7976051" cy="6691920"/>
+            <a:chOff x="2195617" y="0"/>
+            <a:chExt cx="7976051" cy="6691920"/>
+          </a:xfrm>
+        </p:grpSpPr>
+        <p:pic>
+          <p:nvPicPr>
+            <p:cNvPr id="8" name="그림 7"/>
+            <p:cNvPicPr>
+              <a:picLocks noChangeAspect="1"/>
+            </p:cNvPicPr>
+            <p:nvPr/>
+          </p:nvPicPr>
+          <p:blipFill rotWithShape="1">
+            <a:blip r:embed="rId2"/>
+            <a:srcRect l="84551" t="25442" r="9317" b="56941"/>
+            <a:stretch/>
+          </p:blipFill>
+          <p:spPr>
+            <a:xfrm>
+              <a:off x="5129306" y="0"/>
+              <a:ext cx="2468422" cy="2767143"/>
+            </a:xfrm>
+            <a:prstGeom prst="rect">
+              <a:avLst/>
+            </a:prstGeom>
+          </p:spPr>
+        </p:pic>
+        <p:pic>
+          <p:nvPicPr>
+            <p:cNvPr id="3" name="그림 2"/>
+            <p:cNvPicPr>
+              <a:picLocks noChangeAspect="1"/>
+            </p:cNvPicPr>
+            <p:nvPr/>
+          </p:nvPicPr>
+          <p:blipFill>
+            <a:blip r:embed="rId3"/>
+            <a:stretch>
+              <a:fillRect/>
+            </a:stretch>
+          </p:blipFill>
+          <p:spPr>
+            <a:xfrm>
+              <a:off x="2195617" y="2838282"/>
+              <a:ext cx="3900383" cy="3847586"/>
+            </a:xfrm>
+            <a:prstGeom prst="rect">
+              <a:avLst/>
+            </a:prstGeom>
+          </p:spPr>
+        </p:pic>
+        <p:pic>
+          <p:nvPicPr>
+            <p:cNvPr id="4" name="그림 3"/>
+            <p:cNvPicPr>
+              <a:picLocks noChangeAspect="1"/>
+            </p:cNvPicPr>
+            <p:nvPr/>
+          </p:nvPicPr>
+          <p:blipFill>
+            <a:blip r:embed="rId4"/>
+            <a:stretch>
+              <a:fillRect/>
+            </a:stretch>
+          </p:blipFill>
+          <p:spPr>
+            <a:xfrm>
+              <a:off x="6238572" y="2838281"/>
+              <a:ext cx="3933096" cy="3853639"/>
+            </a:xfrm>
+            <a:prstGeom prst="rect">
+              <a:avLst/>
+            </a:prstGeom>
+          </p:spPr>
+        </p:pic>
+        <p:sp>
+          <p:nvSpPr>
+            <p:cNvPr id="5" name="직사각형 4"/>
+            <p:cNvSpPr/>
+            <p:nvPr/>
+          </p:nvSpPr>
+          <p:spPr>
+            <a:xfrm>
+              <a:off x="5259435" y="2454922"/>
+              <a:ext cx="2223405" cy="202300"/>
+            </a:xfrm>
+            <a:prstGeom prst="rect">
+              <a:avLst/>
+            </a:prstGeom>
+            <a:noFill/>
+            <a:ln w="38100">
+              <a:solidFill>
+                <a:srgbClr val="FF0000"/>
+              </a:solidFill>
+            </a:ln>
+          </p:spPr>
+          <p:style>
+            <a:lnRef idx="2">
+              <a:schemeClr val="accent1">
+                <a:shade val="50000"/>
+              </a:schemeClr>
+            </a:lnRef>
+            <a:fillRef idx="1">
+              <a:schemeClr val="accent1"/>
+            </a:fillRef>
+            <a:effectRef idx="0">
+              <a:schemeClr val="accent1"/>
+            </a:effectRef>
+            <a:fontRef idx="minor">
+              <a:schemeClr val="lt1"/>
+            </a:fontRef>
+          </p:style>
+          <p:txBody>
+            <a:bodyPr rtlCol="0" anchor="ctr"/>
+            <a:lstStyle/>
+            <a:p>
+              <a:pPr algn="ctr"/>
+              <a:endParaRPr lang="ko-KR" altLang="en-US"/>
+            </a:p>
+          </p:txBody>
+        </p:sp>
+        <p:sp>
+          <p:nvSpPr>
+            <p:cNvPr id="6" name="직사각형 5"/>
+            <p:cNvSpPr/>
+            <p:nvPr/>
+          </p:nvSpPr>
+          <p:spPr>
+            <a:xfrm>
+              <a:off x="2256330" y="3801909"/>
+              <a:ext cx="762000" cy="202300"/>
+            </a:xfrm>
+            <a:prstGeom prst="rect">
+              <a:avLst/>
+            </a:prstGeom>
+            <a:noFill/>
+            <a:ln w="38100">
+              <a:solidFill>
+                <a:srgbClr val="FF0000"/>
+              </a:solidFill>
+            </a:ln>
+          </p:spPr>
+          <p:style>
+            <a:lnRef idx="2">
+              <a:schemeClr val="accent1">
+                <a:shade val="50000"/>
+              </a:schemeClr>
+            </a:lnRef>
+            <a:fillRef idx="1">
+              <a:schemeClr val="accent1"/>
+            </a:fillRef>
+            <a:effectRef idx="0">
+              <a:schemeClr val="accent1"/>
+            </a:effectRef>
+            <a:fontRef idx="minor">
+              <a:schemeClr val="lt1"/>
+            </a:fontRef>
+          </p:style>
+          <p:txBody>
+            <a:bodyPr rtlCol="0" anchor="ctr"/>
+            <a:lstStyle/>
+            <a:p>
+              <a:pPr algn="ctr"/>
+              <a:endParaRPr lang="ko-KR" altLang="en-US"/>
+            </a:p>
+          </p:txBody>
+        </p:sp>
+      </p:grpSp>
+    </p:spTree>
+    <p:extLst>
+      <p:ext uri="{BB962C8B-B14F-4D97-AF65-F5344CB8AC3E}">
+        <p14:creationId xmlns:p14="http://schemas.microsoft.com/office/powerpoint/2010/main" val="825849384"/>
       </p:ext>
     </p:extLst>
   </p:cSld>

--- a/reports/DocImages.pptx
+++ b/reports/DocImages.pptx
@@ -19,6 +19,9 @@
     <p:sldId id="268" r:id="rId13"/>
     <p:sldId id="264" r:id="rId14"/>
     <p:sldId id="269" r:id="rId15"/>
+    <p:sldId id="270" r:id="rId16"/>
+    <p:sldId id="271" r:id="rId17"/>
+    <p:sldId id="272" r:id="rId18"/>
   </p:sldIdLst>
   <p:sldSz cx="12192000" cy="6858000"/>
   <p:notesSz cx="6858000" cy="9144000"/>
@@ -267,7 +270,7 @@
           <a:p>
             <a:fld id="{324F9A07-BD01-4F84-9D51-DF20A05F3F2C}" type="datetimeFigureOut">
               <a:rPr lang="ko-KR" altLang="en-US" smtClean="0"/>
-              <a:t>2017-11-20</a:t>
+              <a:t>2017-11-21</a:t>
             </a:fld>
             <a:endParaRPr lang="ko-KR" altLang="en-US"/>
           </a:p>
@@ -437,7 +440,7 @@
           <a:p>
             <a:fld id="{324F9A07-BD01-4F84-9D51-DF20A05F3F2C}" type="datetimeFigureOut">
               <a:rPr lang="ko-KR" altLang="en-US" smtClean="0"/>
-              <a:t>2017-11-20</a:t>
+              <a:t>2017-11-21</a:t>
             </a:fld>
             <a:endParaRPr lang="ko-KR" altLang="en-US"/>
           </a:p>
@@ -617,7 +620,7 @@
           <a:p>
             <a:fld id="{324F9A07-BD01-4F84-9D51-DF20A05F3F2C}" type="datetimeFigureOut">
               <a:rPr lang="ko-KR" altLang="en-US" smtClean="0"/>
-              <a:t>2017-11-20</a:t>
+              <a:t>2017-11-21</a:t>
             </a:fld>
             <a:endParaRPr lang="ko-KR" altLang="en-US"/>
           </a:p>
@@ -787,7 +790,7 @@
           <a:p>
             <a:fld id="{324F9A07-BD01-4F84-9D51-DF20A05F3F2C}" type="datetimeFigureOut">
               <a:rPr lang="ko-KR" altLang="en-US" smtClean="0"/>
-              <a:t>2017-11-20</a:t>
+              <a:t>2017-11-21</a:t>
             </a:fld>
             <a:endParaRPr lang="ko-KR" altLang="en-US"/>
           </a:p>
@@ -1033,7 +1036,7 @@
           <a:p>
             <a:fld id="{324F9A07-BD01-4F84-9D51-DF20A05F3F2C}" type="datetimeFigureOut">
               <a:rPr lang="ko-KR" altLang="en-US" smtClean="0"/>
-              <a:t>2017-11-20</a:t>
+              <a:t>2017-11-21</a:t>
             </a:fld>
             <a:endParaRPr lang="ko-KR" altLang="en-US"/>
           </a:p>
@@ -1265,7 +1268,7 @@
           <a:p>
             <a:fld id="{324F9A07-BD01-4F84-9D51-DF20A05F3F2C}" type="datetimeFigureOut">
               <a:rPr lang="ko-KR" altLang="en-US" smtClean="0"/>
-              <a:t>2017-11-20</a:t>
+              <a:t>2017-11-21</a:t>
             </a:fld>
             <a:endParaRPr lang="ko-KR" altLang="en-US"/>
           </a:p>
@@ -1632,7 +1635,7 @@
           <a:p>
             <a:fld id="{324F9A07-BD01-4F84-9D51-DF20A05F3F2C}" type="datetimeFigureOut">
               <a:rPr lang="ko-KR" altLang="en-US" smtClean="0"/>
-              <a:t>2017-11-20</a:t>
+              <a:t>2017-11-21</a:t>
             </a:fld>
             <a:endParaRPr lang="ko-KR" altLang="en-US"/>
           </a:p>
@@ -1750,7 +1753,7 @@
           <a:p>
             <a:fld id="{324F9A07-BD01-4F84-9D51-DF20A05F3F2C}" type="datetimeFigureOut">
               <a:rPr lang="ko-KR" altLang="en-US" smtClean="0"/>
-              <a:t>2017-11-20</a:t>
+              <a:t>2017-11-21</a:t>
             </a:fld>
             <a:endParaRPr lang="ko-KR" altLang="en-US"/>
           </a:p>
@@ -1845,7 +1848,7 @@
           <a:p>
             <a:fld id="{324F9A07-BD01-4F84-9D51-DF20A05F3F2C}" type="datetimeFigureOut">
               <a:rPr lang="ko-KR" altLang="en-US" smtClean="0"/>
-              <a:t>2017-11-20</a:t>
+              <a:t>2017-11-21</a:t>
             </a:fld>
             <a:endParaRPr lang="ko-KR" altLang="en-US"/>
           </a:p>
@@ -2122,7 +2125,7 @@
           <a:p>
             <a:fld id="{324F9A07-BD01-4F84-9D51-DF20A05F3F2C}" type="datetimeFigureOut">
               <a:rPr lang="ko-KR" altLang="en-US" smtClean="0"/>
-              <a:t>2017-11-20</a:t>
+              <a:t>2017-11-21</a:t>
             </a:fld>
             <a:endParaRPr lang="ko-KR" altLang="en-US"/>
           </a:p>
@@ -2375,7 +2378,7 @@
           <a:p>
             <a:fld id="{324F9A07-BD01-4F84-9D51-DF20A05F3F2C}" type="datetimeFigureOut">
               <a:rPr lang="ko-KR" altLang="en-US" smtClean="0"/>
-              <a:t>2017-11-20</a:t>
+              <a:t>2017-11-21</a:t>
             </a:fld>
             <a:endParaRPr lang="ko-KR" altLang="en-US"/>
           </a:p>
@@ -2588,7 +2591,7 @@
           <a:p>
             <a:fld id="{324F9A07-BD01-4F84-9D51-DF20A05F3F2C}" type="datetimeFigureOut">
               <a:rPr lang="ko-KR" altLang="en-US" smtClean="0"/>
-              <a:t>2017-11-20</a:t>
+              <a:t>2017-11-21</a:t>
             </a:fld>
             <a:endParaRPr lang="ko-KR" altLang="en-US"/>
           </a:p>
@@ -3424,7 +3427,6 @@
                 <a:rPr lang="ko-KR" altLang="en-US" b="1" dirty="0"/>
                 <a:t>③</a:t>
               </a:r>
-              <a:endParaRPr lang="ko-KR" altLang="en-US" b="1" dirty="0"/>
             </a:p>
           </p:txBody>
         </p:sp>
@@ -3904,6 +3906,384 @@
     <p:extLst>
       <p:ext uri="{BB962C8B-B14F-4D97-AF65-F5344CB8AC3E}">
         <p14:creationId xmlns:p14="http://schemas.microsoft.com/office/powerpoint/2010/main" val="825849384"/>
+      </p:ext>
+    </p:extLst>
+  </p:cSld>
+  <p:clrMapOvr>
+    <a:masterClrMapping/>
+  </p:clrMapOvr>
+</p:sld>
+</file>
+
+<file path=ppt/slides/slide15.xml><?xml version="1.0" encoding="utf-8"?>
+<p:sld xmlns:a="http://schemas.openxmlformats.org/drawingml/2006/main" xmlns:r="http://schemas.openxmlformats.org/officeDocument/2006/relationships" xmlns:p="http://schemas.openxmlformats.org/presentationml/2006/main">
+  <p:cSld>
+    <p:spTree>
+      <p:nvGrpSpPr>
+        <p:cNvPr id="1" name=""/>
+        <p:cNvGrpSpPr/>
+        <p:nvPr/>
+      </p:nvGrpSpPr>
+      <p:grpSpPr>
+        <a:xfrm>
+          <a:off x="0" y="0"/>
+          <a:ext cx="0" cy="0"/>
+          <a:chOff x="0" y="0"/>
+          <a:chExt cx="0" cy="0"/>
+        </a:xfrm>
+      </p:grpSpPr>
+      <p:pic>
+        <p:nvPicPr>
+          <p:cNvPr id="2" name="그림 1"/>
+          <p:cNvPicPr>
+            <a:picLocks noChangeAspect="1"/>
+          </p:cNvPicPr>
+          <p:nvPr/>
+        </p:nvPicPr>
+        <p:blipFill>
+          <a:blip r:embed="rId2"/>
+          <a:stretch>
+            <a:fillRect/>
+          </a:stretch>
+        </p:blipFill>
+        <p:spPr>
+          <a:xfrm>
+            <a:off x="3376612" y="1476375"/>
+            <a:ext cx="5438775" cy="3905250"/>
+          </a:xfrm>
+          <a:prstGeom prst="rect">
+            <a:avLst/>
+          </a:prstGeom>
+        </p:spPr>
+      </p:pic>
+    </p:spTree>
+    <p:extLst>
+      <p:ext uri="{BB962C8B-B14F-4D97-AF65-F5344CB8AC3E}">
+        <p14:creationId xmlns:p14="http://schemas.microsoft.com/office/powerpoint/2010/main" val="1732656495"/>
+      </p:ext>
+    </p:extLst>
+  </p:cSld>
+  <p:clrMapOvr>
+    <a:masterClrMapping/>
+  </p:clrMapOvr>
+</p:sld>
+</file>
+
+<file path=ppt/slides/slide16.xml><?xml version="1.0" encoding="utf-8"?>
+<p:sld xmlns:a="http://schemas.openxmlformats.org/drawingml/2006/main" xmlns:r="http://schemas.openxmlformats.org/officeDocument/2006/relationships" xmlns:p="http://schemas.openxmlformats.org/presentationml/2006/main">
+  <p:cSld>
+    <p:spTree>
+      <p:nvGrpSpPr>
+        <p:cNvPr id="1" name=""/>
+        <p:cNvGrpSpPr/>
+        <p:nvPr/>
+      </p:nvGrpSpPr>
+      <p:grpSpPr>
+        <a:xfrm>
+          <a:off x="0" y="0"/>
+          <a:ext cx="0" cy="0"/>
+          <a:chOff x="0" y="0"/>
+          <a:chExt cx="0" cy="0"/>
+        </a:xfrm>
+      </p:grpSpPr>
+      <p:grpSp>
+        <p:nvGrpSpPr>
+          <p:cNvPr id="8" name="그룹 7"/>
+          <p:cNvGrpSpPr/>
+          <p:nvPr/>
+        </p:nvGrpSpPr>
+        <p:grpSpPr>
+          <a:xfrm>
+            <a:off x="2899646" y="1438275"/>
+            <a:ext cx="7522770" cy="3981450"/>
+            <a:chOff x="2899646" y="1438275"/>
+            <a:chExt cx="7522770" cy="3981450"/>
+          </a:xfrm>
+        </p:grpSpPr>
+        <p:pic>
+          <p:nvPicPr>
+            <p:cNvPr id="2" name="그림 1"/>
+            <p:cNvPicPr>
+              <a:picLocks noChangeAspect="1"/>
+            </p:cNvPicPr>
+            <p:nvPr/>
+          </p:nvPicPr>
+          <p:blipFill>
+            <a:blip r:embed="rId2"/>
+            <a:stretch>
+              <a:fillRect/>
+            </a:stretch>
+          </p:blipFill>
+          <p:spPr>
+            <a:xfrm>
+              <a:off x="2899646" y="1438275"/>
+              <a:ext cx="3657600" cy="3981450"/>
+            </a:xfrm>
+            <a:prstGeom prst="rect">
+              <a:avLst/>
+            </a:prstGeom>
+          </p:spPr>
+        </p:pic>
+        <p:sp>
+          <p:nvSpPr>
+            <p:cNvPr id="3" name="직사각형 2"/>
+            <p:cNvSpPr/>
+            <p:nvPr/>
+          </p:nvSpPr>
+          <p:spPr>
+            <a:xfrm>
+              <a:off x="2976521" y="2345342"/>
+              <a:ext cx="762000" cy="202300"/>
+            </a:xfrm>
+            <a:prstGeom prst="rect">
+              <a:avLst/>
+            </a:prstGeom>
+            <a:noFill/>
+            <a:ln w="38100">
+              <a:solidFill>
+                <a:srgbClr val="FF0000"/>
+              </a:solidFill>
+            </a:ln>
+          </p:spPr>
+          <p:style>
+            <a:lnRef idx="2">
+              <a:schemeClr val="accent1">
+                <a:shade val="50000"/>
+              </a:schemeClr>
+            </a:lnRef>
+            <a:fillRef idx="1">
+              <a:schemeClr val="accent1"/>
+            </a:fillRef>
+            <a:effectRef idx="0">
+              <a:schemeClr val="accent1"/>
+            </a:effectRef>
+            <a:fontRef idx="minor">
+              <a:schemeClr val="lt1"/>
+            </a:fontRef>
+          </p:style>
+          <p:txBody>
+            <a:bodyPr rtlCol="0" anchor="ctr"/>
+            <a:lstStyle/>
+            <a:p>
+              <a:pPr algn="ctr"/>
+              <a:endParaRPr lang="ko-KR" altLang="en-US"/>
+            </a:p>
+          </p:txBody>
+        </p:sp>
+        <p:pic>
+          <p:nvPicPr>
+            <p:cNvPr id="6" name="그림 5"/>
+            <p:cNvPicPr>
+              <a:picLocks noChangeAspect="1"/>
+            </p:cNvPicPr>
+            <p:nvPr/>
+          </p:nvPicPr>
+          <p:blipFill>
+            <a:blip r:embed="rId3"/>
+            <a:stretch>
+              <a:fillRect/>
+            </a:stretch>
+          </p:blipFill>
+          <p:spPr>
+            <a:xfrm>
+              <a:off x="6640991" y="1462087"/>
+              <a:ext cx="3781425" cy="3933825"/>
+            </a:xfrm>
+            <a:prstGeom prst="rect">
+              <a:avLst/>
+            </a:prstGeom>
+          </p:spPr>
+        </p:pic>
+        <p:sp>
+          <p:nvSpPr>
+            <p:cNvPr id="7" name="직사각형 6"/>
+            <p:cNvSpPr/>
+            <p:nvPr/>
+          </p:nvSpPr>
+          <p:spPr>
+            <a:xfrm>
+              <a:off x="6640991" y="2345342"/>
+              <a:ext cx="3722547" cy="2372315"/>
+            </a:xfrm>
+            <a:prstGeom prst="rect">
+              <a:avLst/>
+            </a:prstGeom>
+            <a:noFill/>
+            <a:ln w="38100">
+              <a:solidFill>
+                <a:srgbClr val="FF0000"/>
+              </a:solidFill>
+            </a:ln>
+          </p:spPr>
+          <p:style>
+            <a:lnRef idx="2">
+              <a:schemeClr val="accent1">
+                <a:shade val="50000"/>
+              </a:schemeClr>
+            </a:lnRef>
+            <a:fillRef idx="1">
+              <a:schemeClr val="accent1"/>
+            </a:fillRef>
+            <a:effectRef idx="0">
+              <a:schemeClr val="accent1"/>
+            </a:effectRef>
+            <a:fontRef idx="minor">
+              <a:schemeClr val="lt1"/>
+            </a:fontRef>
+          </p:style>
+          <p:txBody>
+            <a:bodyPr rtlCol="0" anchor="ctr"/>
+            <a:lstStyle/>
+            <a:p>
+              <a:pPr algn="ctr"/>
+              <a:endParaRPr lang="ko-KR" altLang="en-US"/>
+            </a:p>
+          </p:txBody>
+        </p:sp>
+      </p:grpSp>
+    </p:spTree>
+    <p:extLst>
+      <p:ext uri="{BB962C8B-B14F-4D97-AF65-F5344CB8AC3E}">
+        <p14:creationId xmlns:p14="http://schemas.microsoft.com/office/powerpoint/2010/main" val="2243256259"/>
+      </p:ext>
+    </p:extLst>
+  </p:cSld>
+  <p:clrMapOvr>
+    <a:masterClrMapping/>
+  </p:clrMapOvr>
+</p:sld>
+</file>
+
+<file path=ppt/slides/slide17.xml><?xml version="1.0" encoding="utf-8"?>
+<p:sld xmlns:a="http://schemas.openxmlformats.org/drawingml/2006/main" xmlns:r="http://schemas.openxmlformats.org/officeDocument/2006/relationships" xmlns:p="http://schemas.openxmlformats.org/presentationml/2006/main">
+  <p:cSld>
+    <p:spTree>
+      <p:nvGrpSpPr>
+        <p:cNvPr id="1" name=""/>
+        <p:cNvGrpSpPr/>
+        <p:nvPr/>
+      </p:nvGrpSpPr>
+      <p:grpSpPr>
+        <a:xfrm>
+          <a:off x="0" y="0"/>
+          <a:ext cx="0" cy="0"/>
+          <a:chOff x="0" y="0"/>
+          <a:chExt cx="0" cy="0"/>
+        </a:xfrm>
+      </p:grpSpPr>
+      <p:grpSp>
+        <p:nvGrpSpPr>
+          <p:cNvPr id="5" name="그룹 4"/>
+          <p:cNvGrpSpPr/>
+          <p:nvPr/>
+        </p:nvGrpSpPr>
+        <p:grpSpPr>
+          <a:xfrm>
+            <a:off x="2122810" y="1438275"/>
+            <a:ext cx="9541521" cy="4095750"/>
+            <a:chOff x="2122810" y="1438275"/>
+            <a:chExt cx="9541521" cy="4095750"/>
+          </a:xfrm>
+        </p:grpSpPr>
+        <p:pic>
+          <p:nvPicPr>
+            <p:cNvPr id="2" name="그림 1"/>
+            <p:cNvPicPr>
+              <a:picLocks noChangeAspect="1"/>
+            </p:cNvPicPr>
+            <p:nvPr/>
+          </p:nvPicPr>
+          <p:blipFill>
+            <a:blip r:embed="rId2"/>
+            <a:stretch>
+              <a:fillRect/>
+            </a:stretch>
+          </p:blipFill>
+          <p:spPr>
+            <a:xfrm>
+              <a:off x="2122810" y="1438275"/>
+              <a:ext cx="3657600" cy="3981450"/>
+            </a:xfrm>
+            <a:prstGeom prst="rect">
+              <a:avLst/>
+            </a:prstGeom>
+          </p:spPr>
+        </p:pic>
+        <p:pic>
+          <p:nvPicPr>
+            <p:cNvPr id="3" name="그림 2"/>
+            <p:cNvPicPr>
+              <a:picLocks noChangeAspect="1"/>
+            </p:cNvPicPr>
+            <p:nvPr/>
+          </p:nvPicPr>
+          <p:blipFill>
+            <a:blip r:embed="rId3"/>
+            <a:stretch>
+              <a:fillRect/>
+            </a:stretch>
+          </p:blipFill>
+          <p:spPr>
+            <a:xfrm>
+              <a:off x="5949331" y="1438275"/>
+              <a:ext cx="5715000" cy="4095750"/>
+            </a:xfrm>
+            <a:prstGeom prst="rect">
+              <a:avLst/>
+            </a:prstGeom>
+          </p:spPr>
+        </p:pic>
+        <p:sp>
+          <p:nvSpPr>
+            <p:cNvPr id="4" name="직사각형 3"/>
+            <p:cNvSpPr/>
+            <p:nvPr/>
+          </p:nvSpPr>
+          <p:spPr>
+            <a:xfrm>
+              <a:off x="5332650" y="2345342"/>
+              <a:ext cx="356051" cy="202300"/>
+            </a:xfrm>
+            <a:prstGeom prst="rect">
+              <a:avLst/>
+            </a:prstGeom>
+            <a:noFill/>
+            <a:ln w="38100">
+              <a:solidFill>
+                <a:srgbClr val="FF0000"/>
+              </a:solidFill>
+            </a:ln>
+          </p:spPr>
+          <p:style>
+            <a:lnRef idx="2">
+              <a:schemeClr val="accent1">
+                <a:shade val="50000"/>
+              </a:schemeClr>
+            </a:lnRef>
+            <a:fillRef idx="1">
+              <a:schemeClr val="accent1"/>
+            </a:fillRef>
+            <a:effectRef idx="0">
+              <a:schemeClr val="accent1"/>
+            </a:effectRef>
+            <a:fontRef idx="minor">
+              <a:schemeClr val="lt1"/>
+            </a:fontRef>
+          </p:style>
+          <p:txBody>
+            <a:bodyPr rtlCol="0" anchor="ctr"/>
+            <a:lstStyle/>
+            <a:p>
+              <a:pPr algn="ctr"/>
+              <a:endParaRPr lang="ko-KR" altLang="en-US"/>
+            </a:p>
+          </p:txBody>
+        </p:sp>
+      </p:grpSp>
+    </p:spTree>
+    <p:extLst>
+      <p:ext uri="{BB962C8B-B14F-4D97-AF65-F5344CB8AC3E}">
+        <p14:creationId xmlns:p14="http://schemas.microsoft.com/office/powerpoint/2010/main" val="1321692312"/>
       </p:ext>
     </p:extLst>
   </p:cSld>
